--- a/proj/multiconnection/src/00-intro.pptx
+++ b/proj/multiconnection/src/00-intro.pptx
@@ -218,7 +218,7 @@
           <a:p>
             <a:fld id="{56C6788E-680A-49E5-BB93-D456A9D23A29}" type="datetimeFigureOut">
               <a:rPr lang="ru-RU" smtClean="0"/>
-              <a:t>14.10.2024</a:t>
+              <a:t>23.10.2025</a:t>
             </a:fld>
             <a:endParaRPr lang="ru-RU"/>
           </a:p>
@@ -387,7 +387,7 @@
           <a:p>
             <a:fld id="{C4DF4945-C160-4CD5-B124-49B9BE14C0AB}" type="datetimeFigureOut">
               <a:rPr lang="ru-RU" smtClean="0"/>
-              <a:t>14.10.2024</a:t>
+              <a:t>23.10.2025</a:t>
             </a:fld>
             <a:endParaRPr lang="ru-RU"/>
           </a:p>
@@ -2767,7 +2767,7 @@
           <a:p>
             <a:fld id="{12C63722-5D9F-4E99-9720-9B6A0C7BB1C9}" type="datetimeFigureOut">
               <a:rPr lang="ru-RU" smtClean="0"/>
-              <a:t>14.10.2024</a:t>
+              <a:t>23.10.2025</a:t>
             </a:fld>
             <a:endParaRPr lang="ru-RU"/>
           </a:p>
@@ -2937,7 +2937,7 @@
           <a:p>
             <a:fld id="{12C63722-5D9F-4E99-9720-9B6A0C7BB1C9}" type="datetimeFigureOut">
               <a:rPr lang="ru-RU" smtClean="0"/>
-              <a:t>14.10.2024</a:t>
+              <a:t>23.10.2025</a:t>
             </a:fld>
             <a:endParaRPr lang="ru-RU"/>
           </a:p>
@@ -3117,7 +3117,7 @@
           <a:p>
             <a:fld id="{12C63722-5D9F-4E99-9720-9B6A0C7BB1C9}" type="datetimeFigureOut">
               <a:rPr lang="ru-RU" smtClean="0"/>
-              <a:t>14.10.2024</a:t>
+              <a:t>23.10.2025</a:t>
             </a:fld>
             <a:endParaRPr lang="ru-RU"/>
           </a:p>
@@ -3309,7 +3309,7 @@
           <a:p>
             <a:fld id="{8C218C88-2408-4CFC-B25C-07450930B282}" type="datetimeFigureOut">
               <a:rPr lang="ru-RU" smtClean="0"/>
-              <a:t>14.10.2024</a:t>
+              <a:t>23.10.2025</a:t>
             </a:fld>
             <a:endParaRPr lang="ru-RU"/>
           </a:p>
@@ -3479,7 +3479,7 @@
           <a:p>
             <a:fld id="{8C218C88-2408-4CFC-B25C-07450930B282}" type="datetimeFigureOut">
               <a:rPr lang="ru-RU" smtClean="0"/>
-              <a:t>14.10.2024</a:t>
+              <a:t>23.10.2025</a:t>
             </a:fld>
             <a:endParaRPr lang="ru-RU"/>
           </a:p>
@@ -3725,7 +3725,7 @@
           <a:p>
             <a:fld id="{8C218C88-2408-4CFC-B25C-07450930B282}" type="datetimeFigureOut">
               <a:rPr lang="ru-RU" smtClean="0"/>
-              <a:t>14.10.2024</a:t>
+              <a:t>23.10.2025</a:t>
             </a:fld>
             <a:endParaRPr lang="ru-RU"/>
           </a:p>
@@ -3957,7 +3957,7 @@
           <a:p>
             <a:fld id="{8C218C88-2408-4CFC-B25C-07450930B282}" type="datetimeFigureOut">
               <a:rPr lang="ru-RU" smtClean="0"/>
-              <a:t>14.10.2024</a:t>
+              <a:t>23.10.2025</a:t>
             </a:fld>
             <a:endParaRPr lang="ru-RU"/>
           </a:p>
@@ -4324,7 +4324,7 @@
           <a:p>
             <a:fld id="{8C218C88-2408-4CFC-B25C-07450930B282}" type="datetimeFigureOut">
               <a:rPr lang="ru-RU" smtClean="0"/>
-              <a:t>14.10.2024</a:t>
+              <a:t>23.10.2025</a:t>
             </a:fld>
             <a:endParaRPr lang="ru-RU"/>
           </a:p>
@@ -4442,7 +4442,7 @@
           <a:p>
             <a:fld id="{8C218C88-2408-4CFC-B25C-07450930B282}" type="datetimeFigureOut">
               <a:rPr lang="ru-RU" smtClean="0"/>
-              <a:t>14.10.2024</a:t>
+              <a:t>23.10.2025</a:t>
             </a:fld>
             <a:endParaRPr lang="ru-RU"/>
           </a:p>
@@ -4537,7 +4537,7 @@
           <a:p>
             <a:fld id="{8C218C88-2408-4CFC-B25C-07450930B282}" type="datetimeFigureOut">
               <a:rPr lang="ru-RU" smtClean="0"/>
-              <a:t>14.10.2024</a:t>
+              <a:t>23.10.2025</a:t>
             </a:fld>
             <a:endParaRPr lang="ru-RU"/>
           </a:p>
@@ -4814,7 +4814,7 @@
           <a:p>
             <a:fld id="{8C218C88-2408-4CFC-B25C-07450930B282}" type="datetimeFigureOut">
               <a:rPr lang="ru-RU" smtClean="0"/>
-              <a:t>14.10.2024</a:t>
+              <a:t>23.10.2025</a:t>
             </a:fld>
             <a:endParaRPr lang="ru-RU"/>
           </a:p>
@@ -4984,7 +4984,7 @@
           <a:p>
             <a:fld id="{12C63722-5D9F-4E99-9720-9B6A0C7BB1C9}" type="datetimeFigureOut">
               <a:rPr lang="ru-RU" smtClean="0"/>
-              <a:t>14.10.2024</a:t>
+              <a:t>23.10.2025</a:t>
             </a:fld>
             <a:endParaRPr lang="ru-RU"/>
           </a:p>
@@ -5237,7 +5237,7 @@
           <a:p>
             <a:fld id="{8C218C88-2408-4CFC-B25C-07450930B282}" type="datetimeFigureOut">
               <a:rPr lang="ru-RU" smtClean="0"/>
-              <a:t>14.10.2024</a:t>
+              <a:t>23.10.2025</a:t>
             </a:fld>
             <a:endParaRPr lang="ru-RU"/>
           </a:p>
@@ -5407,7 +5407,7 @@
           <a:p>
             <a:fld id="{8C218C88-2408-4CFC-B25C-07450930B282}" type="datetimeFigureOut">
               <a:rPr lang="ru-RU" smtClean="0"/>
-              <a:t>14.10.2024</a:t>
+              <a:t>23.10.2025</a:t>
             </a:fld>
             <a:endParaRPr lang="ru-RU"/>
           </a:p>
@@ -5587,7 +5587,7 @@
           <a:p>
             <a:fld id="{8C218C88-2408-4CFC-B25C-07450930B282}" type="datetimeFigureOut">
               <a:rPr lang="ru-RU" smtClean="0"/>
-              <a:t>14.10.2024</a:t>
+              <a:t>23.10.2025</a:t>
             </a:fld>
             <a:endParaRPr lang="ru-RU"/>
           </a:p>
@@ -5833,7 +5833,7 @@
           <a:p>
             <a:fld id="{12C63722-5D9F-4E99-9720-9B6A0C7BB1C9}" type="datetimeFigureOut">
               <a:rPr lang="ru-RU" smtClean="0"/>
-              <a:t>14.10.2024</a:t>
+              <a:t>23.10.2025</a:t>
             </a:fld>
             <a:endParaRPr lang="ru-RU"/>
           </a:p>
@@ -6073,7 +6073,7 @@
           <a:p>
             <a:fld id="{12C63722-5D9F-4E99-9720-9B6A0C7BB1C9}" type="datetimeFigureOut">
               <a:rPr lang="ru-RU" smtClean="0"/>
-              <a:t>14.10.2024</a:t>
+              <a:t>23.10.2025</a:t>
             </a:fld>
             <a:endParaRPr lang="ru-RU"/>
           </a:p>
@@ -6440,7 +6440,7 @@
           <a:p>
             <a:fld id="{12C63722-5D9F-4E99-9720-9B6A0C7BB1C9}" type="datetimeFigureOut">
               <a:rPr lang="ru-RU" smtClean="0"/>
-              <a:t>14.10.2024</a:t>
+              <a:t>23.10.2025</a:t>
             </a:fld>
             <a:endParaRPr lang="ru-RU"/>
           </a:p>
@@ -6558,7 +6558,7 @@
           <a:p>
             <a:fld id="{12C63722-5D9F-4E99-9720-9B6A0C7BB1C9}" type="datetimeFigureOut">
               <a:rPr lang="ru-RU" smtClean="0"/>
-              <a:t>14.10.2024</a:t>
+              <a:t>23.10.2025</a:t>
             </a:fld>
             <a:endParaRPr lang="ru-RU"/>
           </a:p>
@@ -6653,7 +6653,7 @@
           <a:p>
             <a:fld id="{12C63722-5D9F-4E99-9720-9B6A0C7BB1C9}" type="datetimeFigureOut">
               <a:rPr lang="ru-RU" smtClean="0"/>
-              <a:t>14.10.2024</a:t>
+              <a:t>23.10.2025</a:t>
             </a:fld>
             <a:endParaRPr lang="ru-RU"/>
           </a:p>
@@ -6930,7 +6930,7 @@
           <a:p>
             <a:fld id="{12C63722-5D9F-4E99-9720-9B6A0C7BB1C9}" type="datetimeFigureOut">
               <a:rPr lang="ru-RU" smtClean="0"/>
-              <a:t>14.10.2024</a:t>
+              <a:t>23.10.2025</a:t>
             </a:fld>
             <a:endParaRPr lang="ru-RU"/>
           </a:p>
@@ -7183,7 +7183,7 @@
           <a:p>
             <a:fld id="{12C63722-5D9F-4E99-9720-9B6A0C7BB1C9}" type="datetimeFigureOut">
               <a:rPr lang="ru-RU" smtClean="0"/>
-              <a:t>14.10.2024</a:t>
+              <a:t>23.10.2025</a:t>
             </a:fld>
             <a:endParaRPr lang="ru-RU"/>
           </a:p>
@@ -7396,7 +7396,7 @@
           <a:p>
             <a:fld id="{12C63722-5D9F-4E99-9720-9B6A0C7BB1C9}" type="datetimeFigureOut">
               <a:rPr lang="ru-RU" smtClean="0"/>
-              <a:t>14.10.2024</a:t>
+              <a:t>23.10.2025</a:t>
             </a:fld>
             <a:endParaRPr lang="ru-RU"/>
           </a:p>
@@ -7936,7 +7936,7 @@
           <a:p>
             <a:fld id="{8C218C88-2408-4CFC-B25C-07450930B282}" type="datetimeFigureOut">
               <a:rPr lang="ru-RU" smtClean="0"/>
-              <a:t>14.10.2024</a:t>
+              <a:t>23.10.2025</a:t>
             </a:fld>
             <a:endParaRPr lang="ru-RU"/>
           </a:p>
@@ -9385,6 +9385,41 @@
           </a:p>
         </p:txBody>
       </p:sp>
+      <p:sp>
+        <p:nvSpPr>
+          <p:cNvPr id="2" name="TextBox 1">
+            <a:extLst>
+              <a:ext uri="{FF2B5EF4-FFF2-40B4-BE49-F238E27FC236}">
+                <a16:creationId xmlns:a16="http://schemas.microsoft.com/office/drawing/2014/main" id="{9275532D-49BE-038A-1127-3AF82429ADDE}"/>
+              </a:ext>
+            </a:extLst>
+          </p:cNvPr>
+          <p:cNvSpPr txBox="1"/>
+          <p:nvPr/>
+        </p:nvSpPr>
+        <p:spPr>
+          <a:xfrm>
+            <a:off x="1353948" y="973816"/>
+            <a:ext cx="461665" cy="1200329"/>
+          </a:xfrm>
+          <a:prstGeom prst="rect">
+            <a:avLst/>
+          </a:prstGeom>
+          <a:noFill/>
+        </p:spPr>
+        <p:txBody>
+          <a:bodyPr vert="vert" wrap="square" rtlCol="0">
+            <a:spAutoFit/>
+          </a:bodyPr>
+          <a:lstStyle/>
+          <a:p>
+            <a:r>
+              <a:rPr lang="en-CY" dirty="0"/>
+              <a:t>time</a:t>
+            </a:r>
+          </a:p>
+        </p:txBody>
+      </p:sp>
     </p:spTree>
     <p:extLst>
       <p:ext uri="{BB962C8B-B14F-4D97-AF65-F5344CB8AC3E}">
@@ -10249,7 +10284,7 @@
           <a:p>
             <a:r>
               <a:rPr lang="en-CY" dirty="0"/>
-              <a:t>Even recent Linux kernels (6.1) limit the socket send buffer to </a:t>
+              <a:t>Even recent Linux kernels limit the socket send buffer to </a:t>
             </a:r>
             <a:r>
               <a:rPr lang="en-CY" b="1" dirty="0"/>
@@ -10258,6 +10293,41 @@
             <a:r>
               <a:rPr lang="en-CY" dirty="0"/>
               <a:t>.</a:t>
+            </a:r>
+          </a:p>
+        </p:txBody>
+      </p:sp>
+      <p:sp>
+        <p:nvSpPr>
+          <p:cNvPr id="2" name="TextBox 1">
+            <a:extLst>
+              <a:ext uri="{FF2B5EF4-FFF2-40B4-BE49-F238E27FC236}">
+                <a16:creationId xmlns:a16="http://schemas.microsoft.com/office/drawing/2014/main" id="{9B3714FF-4C7D-A2FB-C50E-8D35D0C5AC67}"/>
+              </a:ext>
+            </a:extLst>
+          </p:cNvPr>
+          <p:cNvSpPr txBox="1"/>
+          <p:nvPr/>
+        </p:nvSpPr>
+        <p:spPr>
+          <a:xfrm>
+            <a:off x="1353948" y="973816"/>
+            <a:ext cx="461665" cy="1200329"/>
+          </a:xfrm>
+          <a:prstGeom prst="rect">
+            <a:avLst/>
+          </a:prstGeom>
+          <a:noFill/>
+        </p:spPr>
+        <p:txBody>
+          <a:bodyPr vert="vert" wrap="square" rtlCol="0">
+            <a:spAutoFit/>
+          </a:bodyPr>
+          <a:lstStyle/>
+          <a:p>
+            <a:r>
+              <a:rPr lang="en-CY" dirty="0"/>
+              <a:t>time</a:t>
             </a:r>
           </a:p>
         </p:txBody>
@@ -11127,7 +11197,7 @@
           <a:p>
             <a:r>
               <a:rPr lang="en-CY" dirty="0"/>
-              <a:t>Even recent Linux kernels (6.1) limit the socket send buffer to </a:t>
+              <a:t>Even recent Linux kernels limit the socket send buffer to </a:t>
             </a:r>
             <a:r>
               <a:rPr lang="en-CY" b="1" dirty="0"/>
@@ -11136,6 +11206,41 @@
             <a:r>
               <a:rPr lang="en-CY" dirty="0"/>
               <a:t>.</a:t>
+            </a:r>
+          </a:p>
+        </p:txBody>
+      </p:sp>
+      <p:sp>
+        <p:nvSpPr>
+          <p:cNvPr id="2" name="TextBox 1">
+            <a:extLst>
+              <a:ext uri="{FF2B5EF4-FFF2-40B4-BE49-F238E27FC236}">
+                <a16:creationId xmlns:a16="http://schemas.microsoft.com/office/drawing/2014/main" id="{0D49DE32-F78E-A70D-33AE-1F4DE8B4113E}"/>
+              </a:ext>
+            </a:extLst>
+          </p:cNvPr>
+          <p:cNvSpPr txBox="1"/>
+          <p:nvPr/>
+        </p:nvSpPr>
+        <p:spPr>
+          <a:xfrm>
+            <a:off x="1353948" y="973816"/>
+            <a:ext cx="461665" cy="1200329"/>
+          </a:xfrm>
+          <a:prstGeom prst="rect">
+            <a:avLst/>
+          </a:prstGeom>
+          <a:noFill/>
+        </p:spPr>
+        <p:txBody>
+          <a:bodyPr vert="vert" wrap="square" rtlCol="0">
+            <a:spAutoFit/>
+          </a:bodyPr>
+          <a:lstStyle/>
+          <a:p>
+            <a:r>
+              <a:rPr lang="en-CY" dirty="0"/>
+              <a:t>time</a:t>
             </a:r>
           </a:p>
         </p:txBody>
